--- a/Session_2_ML_DL_intro_python_Dec2025.pptx
+++ b/Session_2_ML_DL_intro_python_Dec2025.pptx
@@ -4183,7 +4183,7 @@
           <a:p>
             <a:r>
               <a:rPr lang="en-GB" sz="3200"/>
-              <a:t>9/12/2025</a:t>
+              <a:t>8/12/2025</a:t>
             </a:r>
             <a:endParaRPr lang="en-US" sz="3200" dirty="0"/>
           </a:p>
